--- a/Template Method Patternpptx.pptx
+++ b/Template Method Patternpptx.pptx
@@ -123,7 +123,7 @@
   </p:defaultTextStyle>
   <p:extLst>
     <p:ext uri="{EFAFB233-063F-42B5-8137-9DF3F51BA10A}">
-      <p15:sldGuideLst xmlns:p15="http://schemas.microsoft.com/office/powerpoint/2012/main" xmlns="">
+      <p15:sldGuideLst xmlns:p15="http://schemas.microsoft.com/office/powerpoint/2012/main">
         <p15:guide id="1" orient="horz" pos="2160">
           <p15:clr>
             <a:srgbClr val="A4A3A4"/>
@@ -137,7 +137,7 @@
       </p15:sldGuideLst>
     </p:ext>
     <p:ext uri="{2D200454-40CA-4A62-9FC3-DE9A4176ACB9}">
-      <p15:notesGuideLst xmlns:p15="http://schemas.microsoft.com/office/powerpoint/2012/main" xmlns=""/>
+      <p15:notesGuideLst xmlns:p15="http://schemas.microsoft.com/office/powerpoint/2012/main"/>
     </p:ext>
   </p:extLst>
 </p:presentation>
@@ -226,7 +226,7 @@
             <a:fld id="{7EC7BF74-CE90-48F8-BD97-AEC3C7C6E9AE}" type="datetimeFigureOut">
               <a:rPr lang="pl-PL" smtClean="0"/>
               <a:pPr/>
-              <a:t>26.02.2017</a:t>
+              <a:t>27.02.2017</a:t>
             </a:fld>
             <a:endParaRPr lang="pl-PL"/>
           </a:p>
@@ -394,7 +394,7 @@
             <a:fld id="{E746ECD8-5BC7-4C72-BF82-2A64A1A81588}" type="datetimeFigureOut">
               <a:rPr lang="pl-PL" smtClean="0"/>
               <a:pPr/>
-              <a:t>26.02.2017</a:t>
+              <a:t>27.02.2017</a:t>
             </a:fld>
             <a:endParaRPr lang="pl-PL"/>
           </a:p>
@@ -957,7 +957,7 @@
           <a:p>
             <a:fld id="{AE34EA1B-0FDC-4476-AC59-E1B9CE867BC2}" type="datetime1">
               <a:rPr lang="pl-PL" smtClean="0"/>
-              <a:t>26.02.2017</a:t>
+              <a:t>27.02.2017</a:t>
             </a:fld>
             <a:endParaRPr lang="pl-PL" dirty="0"/>
           </a:p>
@@ -1728,7 +1728,7 @@
           <a:p>
             <a:fld id="{BC8483F6-6B91-4FB0-AC39-7FA2D70992C1}" type="datetime1">
               <a:rPr lang="pl-PL" smtClean="0"/>
-              <a:t>26.02.2017</a:t>
+              <a:t>27.02.2017</a:t>
             </a:fld>
             <a:endParaRPr lang="pl-PL" dirty="0"/>
           </a:p>
@@ -2177,7 +2177,7 @@
           <a:p>
             <a:fld id="{4B35956C-FEDE-4999-A2BA-387130D8FA0B}" type="datetime1">
               <a:rPr lang="pl-PL" smtClean="0"/>
-              <a:t>26.02.2017</a:t>
+              <a:t>27.02.2017</a:t>
             </a:fld>
             <a:endParaRPr lang="pl-PL" dirty="0"/>
           </a:p>
@@ -2517,7 +2517,7 @@
           <a:p>
             <a:fld id="{F4CA9360-37EC-41AD-9555-0D7C95B0A722}" type="datetime1">
               <a:rPr lang="pl-PL" smtClean="0"/>
-              <a:t>26.02.2017</a:t>
+              <a:t>27.02.2017</a:t>
             </a:fld>
             <a:endParaRPr lang="pl-PL" dirty="0"/>
           </a:p>
@@ -3297,7 +3297,7 @@
           <a:p>
             <a:fld id="{AF2ACEC9-E289-4B17-A90B-19A937688CD2}" type="datetime1">
               <a:rPr lang="pl-PL" smtClean="0"/>
-              <a:t>26.02.2017</a:t>
+              <a:t>27.02.2017</a:t>
             </a:fld>
             <a:endParaRPr lang="pl-PL" dirty="0"/>
           </a:p>
@@ -3541,7 +3541,7 @@
           <a:p>
             <a:fld id="{B3464082-F2AA-4394-B1E6-C4E57B769DE8}" type="datetime1">
               <a:rPr lang="pl-PL" smtClean="0"/>
-              <a:t>26.02.2017</a:t>
+              <a:t>27.02.2017</a:t>
             </a:fld>
             <a:endParaRPr lang="pl-PL" dirty="0"/>
           </a:p>
@@ -4959,7 +4959,7 @@
           <a:p>
             <a:fld id="{BFD2825D-B99A-4D89-A8C9-311953BA452D}" type="datetime1">
               <a:rPr lang="pl-PL" smtClean="0"/>
-              <a:t>26.02.2017</a:t>
+              <a:t>27.02.2017</a:t>
             </a:fld>
             <a:endParaRPr lang="pl-PL" dirty="0"/>
           </a:p>
@@ -5065,7 +5065,7 @@
   </p:timing>
   <p:extLst mod="1">
     <p:ext uri="{DCECCB84-F9BA-43D5-87BE-67443E8EF086}">
-      <p15:sldGuideLst xmlns:p15="http://schemas.microsoft.com/office/powerpoint/2012/main" xmlns="">
+      <p15:sldGuideLst xmlns:p15="http://schemas.microsoft.com/office/powerpoint/2012/main">
         <p15:guide id="1" orient="horz" pos="2160" userDrawn="1">
           <p15:clr>
             <a:srgbClr val="FBAE40"/>
@@ -5267,7 +5267,7 @@
           <a:p>
             <a:fld id="{6DF9EE7B-20F7-43C4-8D54-12938773A049}" type="datetime1">
               <a:rPr lang="pl-PL" smtClean="0"/>
-              <a:t>26.02.2017</a:t>
+              <a:t>27.02.2017</a:t>
             </a:fld>
             <a:endParaRPr lang="pl-PL" dirty="0"/>
           </a:p>
@@ -5840,7 +5840,7 @@
           <a:p>
             <a:fld id="{0C8830DA-A5AC-407D-B81B-BCC8A59D10DA}" type="datetime1">
               <a:rPr lang="pl-PL" smtClean="0"/>
-              <a:t>26.02.2017</a:t>
+              <a:t>27.02.2017</a:t>
             </a:fld>
             <a:endParaRPr lang="pl-PL" dirty="0"/>
           </a:p>
@@ -6408,7 +6408,7 @@
           <a:p>
             <a:fld id="{D9813E6C-EB4B-425D-8D59-6284254790EA}" type="datetime1">
               <a:rPr lang="pl-PL" smtClean="0"/>
-              <a:t>26.02.2017</a:t>
+              <a:t>27.02.2017</a:t>
             </a:fld>
             <a:endParaRPr lang="pl-PL" dirty="0"/>
           </a:p>
@@ -7060,7 +7060,7 @@
           <a:p>
             <a:fld id="{BEA27C96-E20C-4197-AE88-E247802FCFA1}" type="datetime1">
               <a:rPr lang="pl-PL" smtClean="0"/>
-              <a:t>26.02.2017</a:t>
+              <a:t>27.02.2017</a:t>
             </a:fld>
             <a:endParaRPr lang="pl-PL" dirty="0"/>
           </a:p>
@@ -7625,7 +7625,7 @@
           <a:p>
             <a:fld id="{860EE6A0-6FF8-4C82-9E56-1869086994BE}" type="datetime1">
               <a:rPr lang="pl-PL" smtClean="0"/>
-              <a:t>26.02.2017</a:t>
+              <a:t>27.02.2017</a:t>
             </a:fld>
             <a:endParaRPr lang="pl-PL" dirty="0"/>
           </a:p>
@@ -8403,7 +8403,7 @@
           <a:p>
             <a:fld id="{6F97FCC7-A65D-4714-8591-402D34088FFC}" type="datetime1">
               <a:rPr lang="pl-PL" smtClean="0"/>
-              <a:t>26.02.2017</a:t>
+              <a:t>27.02.2017</a:t>
             </a:fld>
             <a:endParaRPr lang="pl-PL" dirty="0"/>
           </a:p>
@@ -8888,7 +8888,7 @@
           <a:p>
             <a:fld id="{17FF0D5E-F1D8-471C-829E-7FB0AEC05278}" type="datetime1">
               <a:rPr lang="pl-PL" smtClean="0"/>
-              <a:t>26.02.2017</a:t>
+              <a:t>27.02.2017</a:t>
             </a:fld>
             <a:endParaRPr lang="pl-PL" dirty="0"/>
           </a:p>
@@ -9384,7 +9384,7 @@
           <a:p>
             <a:fld id="{913727A5-D45B-4B61-B03F-38042C5A186B}" type="datetime1">
               <a:rPr lang="pl-PL" smtClean="0"/>
-              <a:t>26.02.2017</a:t>
+              <a:t>27.02.2017</a:t>
             </a:fld>
             <a:endParaRPr lang="pl-PL" dirty="0"/>
           </a:p>
@@ -9443,8 +9443,16 @@
           <a:lstStyle/>
           <a:p>
             <a:r>
+              <a:rPr lang="en-GB" dirty="0"/>
+              <a:t>Template method</a:t>
+            </a:r>
+            <a:r>
+              <a:rPr lang="pl-PL" dirty="0" smtClean="0"/>
+              <a:t> </a:t>
+            </a:r>
+            <a:r>
               <a:rPr lang="pl-PL" dirty="0"/>
-              <a:t>Command – Behavioral Pattern</a:t>
+              <a:t>– Behavioral Pattern</a:t>
             </a:r>
           </a:p>
         </p:txBody>
@@ -9466,7 +9474,7 @@
           <a:p>
             <a:fld id="{6DF9EE7B-20F7-43C4-8D54-12938773A049}" type="datetime1">
               <a:rPr lang="pl-PL" smtClean="0"/>
-              <a:t>26.02.2017</a:t>
+              <a:t>27.02.2017</a:t>
             </a:fld>
             <a:endParaRPr lang="pl-PL" dirty="0"/>
           </a:p>
@@ -9596,8 +9604,16 @@
           <a:lstStyle/>
           <a:p>
             <a:r>
+              <a:rPr lang="en-GB" dirty="0"/>
+              <a:t>Template method</a:t>
+            </a:r>
+            <a:r>
+              <a:rPr lang="pl-PL" dirty="0" smtClean="0"/>
+              <a:t> </a:t>
+            </a:r>
+            <a:r>
               <a:rPr lang="pl-PL" dirty="0"/>
-              <a:t>Command – Behavioral Pattern</a:t>
+              <a:t>– Behavioral Pattern</a:t>
             </a:r>
           </a:p>
         </p:txBody>
@@ -9619,7 +9635,7 @@
           <a:p>
             <a:fld id="{6DF9EE7B-20F7-43C4-8D54-12938773A049}" type="datetime1">
               <a:rPr lang="pl-PL" smtClean="0"/>
-              <a:t>26.02.2017</a:t>
+              <a:t>27.02.2017</a:t>
             </a:fld>
             <a:endParaRPr lang="pl-PL" dirty="0"/>
           </a:p>
@@ -9800,11 +9816,7 @@
             </a:r>
             <a:r>
               <a:rPr lang="pl-PL" dirty="0" smtClean="0"/>
-              <a:t> </a:t>
-            </a:r>
-            <a:r>
-              <a:rPr lang="pl-PL" dirty="0" smtClean="0"/>
-              <a:t>: overview</a:t>
+              <a:t> : overview</a:t>
             </a:r>
           </a:p>
           <a:p>
@@ -9855,11 +9867,7 @@
             </a:r>
             <a:r>
               <a:rPr lang="pl-PL" dirty="0" smtClean="0"/>
-              <a:t>– </a:t>
-            </a:r>
-            <a:r>
-              <a:rPr lang="pl-PL" dirty="0" smtClean="0"/>
-              <a:t>Behavioral Pattern</a:t>
+              <a:t>– Behavioral Pattern</a:t>
             </a:r>
             <a:endParaRPr lang="pl-PL" dirty="0"/>
           </a:p>
@@ -9882,7 +9890,7 @@
           <a:p>
             <a:fld id="{6DF9EE7B-20F7-43C4-8D54-12938773A049}" type="datetime1">
               <a:rPr lang="pl-PL" smtClean="0"/>
-              <a:t>26.02.2017</a:t>
+              <a:t>27.02.2017</a:t>
             </a:fld>
             <a:endParaRPr lang="pl-PL" dirty="0"/>
           </a:p>
@@ -10103,7 +10111,7 @@
           <a:p>
             <a:fld id="{6DF9EE7B-20F7-43C4-8D54-12938773A049}" type="datetime1">
               <a:rPr lang="pl-PL" smtClean="0"/>
-              <a:t>26.02.2017</a:t>
+              <a:t>27.02.2017</a:t>
             </a:fld>
             <a:endParaRPr lang="pl-PL" dirty="0"/>
           </a:p>
@@ -10240,7 +10248,7 @@
           <a:p>
             <a:fld id="{6DF9EE7B-20F7-43C4-8D54-12938773A049}" type="datetime1">
               <a:rPr lang="pl-PL" smtClean="0"/>
-              <a:t>26.02.2017</a:t>
+              <a:t>27.02.2017</a:t>
             </a:fld>
             <a:endParaRPr lang="pl-PL" dirty="0"/>
           </a:p>
@@ -10389,7 +10397,6 @@
               <a:rPr lang="en-US" dirty="0"/>
               <a:t>()</a:t>
             </a:r>
-            <a:endParaRPr lang="en-US" dirty="0"/>
           </a:p>
         </p:txBody>
       </p:sp>
@@ -10541,7 +10548,7 @@
           <a:p>
             <a:fld id="{6DF9EE7B-20F7-43C4-8D54-12938773A049}" type="datetime1">
               <a:rPr lang="pl-PL" smtClean="0"/>
-              <a:t>26.02.2017</a:t>
+              <a:t>27.02.2017</a:t>
             </a:fld>
             <a:endParaRPr lang="pl-PL" dirty="0"/>
           </a:p>
@@ -10567,7 +10574,6 @@
               <a:rPr lang="en-US" dirty="0"/>
               <a:t>Design</a:t>
             </a:r>
-            <a:endParaRPr lang="en-US" dirty="0"/>
           </a:p>
         </p:txBody>
       </p:sp>
@@ -10671,7 +10677,7 @@
           <a:p>
             <a:fld id="{6DF9EE7B-20F7-43C4-8D54-12938773A049}" type="datetime1">
               <a:rPr lang="pl-PL" smtClean="0"/>
-              <a:t>26.02.2017</a:t>
+              <a:t>27.02.2017</a:t>
             </a:fld>
             <a:endParaRPr lang="pl-PL" dirty="0"/>
           </a:p>
@@ -10697,7 +10703,6 @@
               <a:rPr lang="en-US" dirty="0"/>
               <a:t>UML</a:t>
             </a:r>
-            <a:endParaRPr lang="en-US" dirty="0"/>
           </a:p>
         </p:txBody>
       </p:sp>
@@ -10834,15 +10839,15 @@
           <a:lstStyle/>
           <a:p>
             <a:r>
-              <a:rPr lang="en-GB"/>
+              <a:rPr lang="en-GB" dirty="0"/>
               <a:t>Template </a:t>
             </a:r>
             <a:r>
-              <a:rPr lang="en-GB" smtClean="0"/>
+              <a:rPr lang="en-GB" dirty="0" smtClean="0"/>
               <a:t>method </a:t>
             </a:r>
             <a:r>
-              <a:rPr lang="pl-PL" smtClean="0"/>
+              <a:rPr lang="pl-PL" dirty="0" smtClean="0"/>
               <a:t>– </a:t>
             </a:r>
             <a:r>
@@ -10869,7 +10874,7 @@
           <a:p>
             <a:fld id="{6DF9EE7B-20F7-43C4-8D54-12938773A049}" type="datetime1">
               <a:rPr lang="pl-PL" smtClean="0"/>
-              <a:t>26.02.2017</a:t>
+              <a:t>27.02.2017</a:t>
             </a:fld>
             <a:endParaRPr lang="pl-PL" dirty="0"/>
           </a:p>
@@ -10941,7 +10946,11 @@
           <a:p>
             <a:r>
               <a:rPr lang="en-GB" dirty="0" smtClean="0"/>
-              <a:t>Class Person implement Comparable interface and must override template </a:t>
+              <a:t>Class Person implement Comparable interface and must </a:t>
+            </a:r>
+            <a:r>
+              <a:rPr lang="en-GB" dirty="0" smtClean="0"/>
+              <a:t>override </a:t>
             </a:r>
             <a:r>
               <a:rPr lang="en-GB" dirty="0" err="1" smtClean="0"/>
@@ -10949,7 +10958,27 @@
             </a:r>
             <a:r>
               <a:rPr lang="en-GB" dirty="0" smtClean="0"/>
-              <a:t>() method.</a:t>
+              <a:t>() </a:t>
+            </a:r>
+            <a:r>
+              <a:rPr lang="en-GB" dirty="0"/>
+              <a:t>method which </a:t>
+            </a:r>
+            <a:r>
+              <a:rPr lang="en-GB" dirty="0" smtClean="0"/>
+              <a:t>is </a:t>
+            </a:r>
+            <a:r>
+              <a:rPr lang="en-US" dirty="0" smtClean="0"/>
+              <a:t>part </a:t>
+            </a:r>
+            <a:r>
+              <a:rPr lang="en-US" dirty="0"/>
+              <a:t>of the template method pattern of that interface</a:t>
+            </a:r>
+            <a:r>
+              <a:rPr lang="en-GB" dirty="0" smtClean="0"/>
+              <a:t>.</a:t>
             </a:r>
             <a:endParaRPr lang="en-US" dirty="0" smtClean="0"/>
           </a:p>
@@ -11304,8 +11333,16 @@
           <a:lstStyle/>
           <a:p>
             <a:r>
+              <a:rPr lang="en-GB" dirty="0"/>
+              <a:t>Template method</a:t>
+            </a:r>
+            <a:r>
+              <a:rPr lang="pl-PL" dirty="0" smtClean="0"/>
+              <a:t> </a:t>
+            </a:r>
+            <a:r>
               <a:rPr lang="pl-PL" dirty="0"/>
-              <a:t>Command – Behavioral Pattern</a:t>
+              <a:t>– Behavioral Pattern</a:t>
             </a:r>
           </a:p>
         </p:txBody>
@@ -11327,7 +11364,7 @@
           <a:p>
             <a:fld id="{BEA27C96-E20C-4197-AE88-E247802FCFA1}" type="datetime1">
               <a:rPr lang="pl-PL" smtClean="0"/>
-              <a:t>26.02.2017</a:t>
+              <a:t>27.02.2017</a:t>
             </a:fld>
             <a:endParaRPr lang="pl-PL" dirty="0"/>
           </a:p>
@@ -11436,29 +11473,13 @@
           <a:p>
             <a:r>
               <a:rPr lang="en-US" dirty="0"/>
-              <a:t>Template Method   			</a:t>
-            </a:r>
+              <a:t>Template Method   			    Strategy</a:t>
+            </a:r>
+          </a:p>
+          <a:p>
             <a:r>
               <a:rPr lang="en-US" dirty="0"/>
-              <a:t> </a:t>
-            </a:r>
-            <a:r>
-              <a:rPr lang="en-US" dirty="0"/>
-              <a:t>   Strategy</a:t>
-            </a:r>
-          </a:p>
-          <a:p>
-            <a:r>
-              <a:rPr lang="en-US" dirty="0"/>
-              <a:t>    Same </a:t>
-            </a:r>
-            <a:r>
-              <a:rPr lang="en-US" dirty="0"/>
-              <a:t>algorithm                                          </a:t>
-            </a:r>
-            <a:r>
-              <a:rPr lang="en-US" dirty="0"/>
-              <a:t> </a:t>
+              <a:t>    Same algorithm                                           </a:t>
             </a:r>
             <a:r>
               <a:rPr lang="en-US" dirty="0" err="1"/>
@@ -11466,13 +11487,8 @@
             </a:r>
             <a:r>
               <a:rPr lang="en-US" dirty="0"/>
-              <a:t> </a:t>
-            </a:r>
-            <a:r>
-              <a:rPr lang="en-US" dirty="0"/>
-              <a:t>per Strategy    </a:t>
-            </a:r>
-            <a:endParaRPr lang="en-US" dirty="0"/>
+              <a:t> per Strategy    </a:t>
+            </a:r>
           </a:p>
           <a:p>
             <a:r>
@@ -11483,19 +11499,7 @@
           <a:p>
             <a:r>
               <a:rPr lang="en-US" dirty="0"/>
-              <a:t>    Compile </a:t>
-            </a:r>
-            <a:r>
-              <a:rPr lang="en-US" dirty="0"/>
-              <a:t>time				</a:t>
-            </a:r>
-            <a:r>
-              <a:rPr lang="en-US" dirty="0"/>
-              <a:t>       Run </a:t>
-            </a:r>
-            <a:r>
-              <a:rPr lang="en-US" dirty="0"/>
-              <a:t>time</a:t>
+              <a:t>    Compile time				       Run time</a:t>
             </a:r>
           </a:p>
           <a:p>
@@ -11503,7 +11507,6 @@
               <a:rPr lang="en-US" dirty="0"/>
               <a:t>                    					</a:t>
             </a:r>
-            <a:endParaRPr lang="en-US" dirty="0"/>
           </a:p>
         </p:txBody>
       </p:sp>
@@ -11523,8 +11526,16 @@
           <a:lstStyle/>
           <a:p>
             <a:r>
+              <a:rPr lang="en-GB" dirty="0"/>
+              <a:t>Template method</a:t>
+            </a:r>
+            <a:r>
+              <a:rPr lang="pl-PL" dirty="0" smtClean="0"/>
+              <a:t> </a:t>
+            </a:r>
+            <a:r>
               <a:rPr lang="pl-PL" dirty="0"/>
-              <a:t>Command – Behavioral Pattern</a:t>
+              <a:t>– Behavioral Pattern</a:t>
             </a:r>
           </a:p>
         </p:txBody>
@@ -11546,7 +11557,7 @@
           <a:p>
             <a:fld id="{6DF9EE7B-20F7-43C4-8D54-12938773A049}" type="datetime1">
               <a:rPr lang="pl-PL" smtClean="0"/>
-              <a:t>26.02.2017</a:t>
+              <a:t>27.02.2017</a:t>
             </a:fld>
             <a:endParaRPr lang="pl-PL" dirty="0"/>
           </a:p>
@@ -11581,7 +11592,6 @@
               <a:rPr lang="en-US" dirty="0"/>
               <a:t>Contrast</a:t>
             </a:r>
-            <a:endParaRPr lang="en-US" dirty="0"/>
           </a:p>
         </p:txBody>
       </p:sp>
@@ -11902,7 +11912,7 @@
   <a:extraClrSchemeLst/>
   <a:extLst>
     <a:ext uri="{05A4C25C-085E-4340-85A3-A5531E510DB2}">
-      <thm15:themeFamily xmlns:thm15="http://schemas.microsoft.com/office/thememl/2012/main" xmlns="" name="Presentation-template-v7.potx" id="{81740B69-3C92-4ED6-8B77-975B328E0227}" vid="{9A016EBD-39E1-4BE8-9468-41BAC8AD9D0C}"/>
+      <thm15:themeFamily xmlns:thm15="http://schemas.microsoft.com/office/thememl/2012/main" name="Presentation-template-v7.potx" id="{81740B69-3C92-4ED6-8B77-975B328E0227}" vid="{9A016EBD-39E1-4BE8-9468-41BAC8AD9D0C}"/>
     </a:ext>
   </a:extLst>
 </a:theme>
@@ -12163,7 +12173,7 @@
   <a:extraClrSchemeLst/>
   <a:extLst>
     <a:ext uri="{05A4C25C-085E-4340-85A3-A5531E510DB2}">
-      <thm15:themeFamily xmlns:thm15="http://schemas.microsoft.com/office/thememl/2012/main" xmlns="" name="Office Theme" id="{62F939B6-93AF-4DB8-9C6B-D6C7DFDC589F}" vid="{4A3C46E8-61CC-4603-A589-7422A47A8E4A}"/>
+      <thm15:themeFamily xmlns:thm15="http://schemas.microsoft.com/office/thememl/2012/main" name="Office Theme" id="{62F939B6-93AF-4DB8-9C6B-D6C7DFDC589F}" vid="{4A3C46E8-61CC-4603-A589-7422A47A8E4A}"/>
     </a:ext>
   </a:extLst>
 </a:theme>
@@ -12424,7 +12434,7 @@
   <a:extraClrSchemeLst/>
   <a:extLst>
     <a:ext uri="{05A4C25C-085E-4340-85A3-A5531E510DB2}">
-      <thm15:themeFamily xmlns:thm15="http://schemas.microsoft.com/office/thememl/2012/main" xmlns="" name="Office Theme" id="{62F939B6-93AF-4DB8-9C6B-D6C7DFDC589F}" vid="{4A3C46E8-61CC-4603-A589-7422A47A8E4A}"/>
+      <thm15:themeFamily xmlns:thm15="http://schemas.microsoft.com/office/thememl/2012/main" name="Office Theme" id="{62F939B6-93AF-4DB8-9C6B-D6C7DFDC589F}" vid="{4A3C46E8-61CC-4603-A589-7422A47A8E4A}"/>
     </a:ext>
   </a:extLst>
 </a:theme>

--- a/Template Method Patternpptx.pptx
+++ b/Template Method Patternpptx.pptx
@@ -5,24 +5,23 @@
     <p:sldMasterId id="2147483648" r:id="rId1"/>
   </p:sldMasterIdLst>
   <p:notesMasterIdLst>
-    <p:notesMasterId r:id="rId14"/>
+    <p:notesMasterId r:id="rId13"/>
   </p:notesMasterIdLst>
   <p:handoutMasterIdLst>
-    <p:handoutMasterId r:id="rId15"/>
+    <p:handoutMasterId r:id="rId14"/>
   </p:handoutMasterIdLst>
   <p:sldIdLst>
     <p:sldId id="256" r:id="rId2"/>
     <p:sldId id="261" r:id="rId3"/>
     <p:sldId id="262" r:id="rId4"/>
     <p:sldId id="263" r:id="rId5"/>
-    <p:sldId id="264" r:id="rId6"/>
-    <p:sldId id="266" r:id="rId7"/>
-    <p:sldId id="267" r:id="rId8"/>
-    <p:sldId id="274" r:id="rId9"/>
-    <p:sldId id="265" r:id="rId10"/>
-    <p:sldId id="273" r:id="rId11"/>
-    <p:sldId id="272" r:id="rId12"/>
-    <p:sldId id="260" r:id="rId13"/>
+    <p:sldId id="266" r:id="rId6"/>
+    <p:sldId id="267" r:id="rId7"/>
+    <p:sldId id="274" r:id="rId8"/>
+    <p:sldId id="265" r:id="rId9"/>
+    <p:sldId id="273" r:id="rId10"/>
+    <p:sldId id="272" r:id="rId11"/>
+    <p:sldId id="260" r:id="rId12"/>
   </p:sldIdLst>
   <p:sldSz cx="12192000" cy="6858000"/>
   <p:notesSz cx="6858000" cy="9144000"/>
@@ -9492,203 +9491,42 @@
         </p:nvSpPr>
         <p:spPr>
           <a:xfrm>
-            <a:off x="1404243" y="3010972"/>
-            <a:ext cx="8759799" cy="2047060"/>
-          </a:xfrm>
-        </p:spPr>
-        <p:txBody>
-          <a:bodyPr>
-            <a:normAutofit fontScale="90000"/>
-          </a:bodyPr>
-          <a:lstStyle/>
-          <a:p>
-            <a:pPr algn="ctr"/>
-            <a:r>
-              <a:rPr lang="pl-PL" dirty="0" smtClean="0"/>
-              <a:t>Java Code Example</a:t>
-            </a:r>
-            <a:br>
-              <a:rPr lang="pl-PL" dirty="0" smtClean="0"/>
-            </a:br>
-            <a:r>
-              <a:rPr lang="pl-PL" dirty="0" smtClean="0"/>
-              <a:t/>
-            </a:r>
-            <a:br>
-              <a:rPr lang="pl-PL" dirty="0" smtClean="0"/>
-            </a:br>
-            <a:r>
-              <a:rPr lang="pl-PL" dirty="0" smtClean="0">
-                <a:hlinkClick r:id="rId2"/>
-              </a:rPr>
-              <a:t>github.com</a:t>
-            </a:r>
-            <a:endParaRPr lang="en-US" dirty="0"/>
-          </a:p>
-        </p:txBody>
-      </p:sp>
-      <p:sp>
-        <p:nvSpPr>
-          <p:cNvPr id="6" name="Slide Number Placeholder 5"/>
-          <p:cNvSpPr>
-            <a:spLocks noGrp="1"/>
-          </p:cNvSpPr>
-          <p:nvPr>
-            <p:ph type="sldNum" sz="quarter" idx="4"/>
-          </p:nvPr>
-        </p:nvSpPr>
-        <p:spPr/>
+            <a:off x="4219959" y="2870929"/>
+            <a:ext cx="3416517" cy="936000"/>
+          </a:xfrm>
+        </p:spPr>
         <p:txBody>
           <a:bodyPr/>
           <a:lstStyle/>
           <a:p>
+            <a:pPr algn="ctr"/>
+            <a:r>
+              <a:rPr lang="pl-PL" dirty="0" smtClean="0"/>
+              <a:t>Questions?</a:t>
+            </a:r>
+            <a:endParaRPr lang="en-US" dirty="0"/>
+          </a:p>
+        </p:txBody>
+      </p:sp>
+      <p:sp>
+        <p:nvSpPr>
+          <p:cNvPr id="6" name="Slide Number Placeholder 5"/>
+          <p:cNvSpPr>
+            <a:spLocks noGrp="1"/>
+          </p:cNvSpPr>
+          <p:nvPr>
+            <p:ph type="sldNum" sz="quarter" idx="4"/>
+          </p:nvPr>
+        </p:nvSpPr>
+        <p:spPr/>
+        <p:txBody>
+          <a:bodyPr/>
+          <a:lstStyle/>
+          <a:p>
             <a:fld id="{DD16D8C6-D3EF-484E-B1EF-645CD91101A6}" type="slidenum">
               <a:rPr lang="pl-PL" smtClean="0"/>
               <a:pPr/>
               <a:t>10</a:t>
-            </a:fld>
-            <a:endParaRPr lang="pl-PL" dirty="0"/>
-          </a:p>
-        </p:txBody>
-      </p:sp>
-    </p:spTree>
-    <p:extLst>
-      <p:ext uri="{BB962C8B-B14F-4D97-AF65-F5344CB8AC3E}">
-        <p14:creationId xmlns:p14="http://schemas.microsoft.com/office/powerpoint/2010/main" val="3451553606"/>
-      </p:ext>
-    </p:extLst>
-  </p:cSld>
-  <p:clrMapOvr>
-    <a:masterClrMapping/>
-  </p:clrMapOvr>
-  <p:timing>
-    <p:tnLst>
-      <p:par>
-        <p:cTn id="1" dur="indefinite" restart="never" nodeType="tmRoot"/>
-      </p:par>
-    </p:tnLst>
-  </p:timing>
-</p:sld>
-</file>
-
-<file path=ppt/slides/slide11.xml><?xml version="1.0" encoding="utf-8"?>
-<p:sld xmlns:a="http://schemas.openxmlformats.org/drawingml/2006/main" xmlns:r="http://schemas.openxmlformats.org/officeDocument/2006/relationships" xmlns:p="http://schemas.openxmlformats.org/presentationml/2006/main">
-  <p:cSld>
-    <p:spTree>
-      <p:nvGrpSpPr>
-        <p:cNvPr id="1" name=""/>
-        <p:cNvGrpSpPr/>
-        <p:nvPr/>
-      </p:nvGrpSpPr>
-      <p:grpSpPr>
-        <a:xfrm>
-          <a:off x="0" y="0"/>
-          <a:ext cx="0" cy="0"/>
-          <a:chOff x="0" y="0"/>
-          <a:chExt cx="0" cy="0"/>
-        </a:xfrm>
-      </p:grpSpPr>
-      <p:sp>
-        <p:nvSpPr>
-          <p:cNvPr id="3" name="Footer Placeholder 2"/>
-          <p:cNvSpPr>
-            <a:spLocks noGrp="1"/>
-          </p:cNvSpPr>
-          <p:nvPr>
-            <p:ph type="ftr" sz="quarter" idx="3"/>
-          </p:nvPr>
-        </p:nvSpPr>
-        <p:spPr/>
-        <p:txBody>
-          <a:bodyPr/>
-          <a:lstStyle/>
-          <a:p>
-            <a:r>
-              <a:rPr lang="en-GB" dirty="0"/>
-              <a:t>Template method</a:t>
-            </a:r>
-            <a:r>
-              <a:rPr lang="pl-PL" dirty="0" smtClean="0"/>
-              <a:t> </a:t>
-            </a:r>
-            <a:r>
-              <a:rPr lang="pl-PL" dirty="0"/>
-              <a:t>– Behavioral Pattern</a:t>
-            </a:r>
-          </a:p>
-        </p:txBody>
-      </p:sp>
-      <p:sp>
-        <p:nvSpPr>
-          <p:cNvPr id="4" name="Date Placeholder 3"/>
-          <p:cNvSpPr>
-            <a:spLocks noGrp="1"/>
-          </p:cNvSpPr>
-          <p:nvPr>
-            <p:ph type="dt" sz="half" idx="2"/>
-          </p:nvPr>
-        </p:nvSpPr>
-        <p:spPr/>
-        <p:txBody>
-          <a:bodyPr/>
-          <a:lstStyle/>
-          <a:p>
-            <a:fld id="{6DF9EE7B-20F7-43C4-8D54-12938773A049}" type="datetime1">
-              <a:rPr lang="pl-PL" smtClean="0"/>
-              <a:t>27.02.2017</a:t>
-            </a:fld>
-            <a:endParaRPr lang="pl-PL" dirty="0"/>
-          </a:p>
-        </p:txBody>
-      </p:sp>
-      <p:sp>
-        <p:nvSpPr>
-          <p:cNvPr id="5" name="Title 4"/>
-          <p:cNvSpPr>
-            <a:spLocks noGrp="1"/>
-          </p:cNvSpPr>
-          <p:nvPr>
-            <p:ph type="title"/>
-          </p:nvPr>
-        </p:nvSpPr>
-        <p:spPr>
-          <a:xfrm>
-            <a:off x="4219959" y="2870929"/>
-            <a:ext cx="3416517" cy="936000"/>
-          </a:xfrm>
-        </p:spPr>
-        <p:txBody>
-          <a:bodyPr/>
-          <a:lstStyle/>
-          <a:p>
-            <a:pPr algn="ctr"/>
-            <a:r>
-              <a:rPr lang="pl-PL" dirty="0" smtClean="0"/>
-              <a:t>Questions?</a:t>
-            </a:r>
-            <a:endParaRPr lang="en-US" dirty="0"/>
-          </a:p>
-        </p:txBody>
-      </p:sp>
-      <p:sp>
-        <p:nvSpPr>
-          <p:cNvPr id="6" name="Slide Number Placeholder 5"/>
-          <p:cNvSpPr>
-            <a:spLocks noGrp="1"/>
-          </p:cNvSpPr>
-          <p:nvPr>
-            <p:ph type="sldNum" sz="quarter" idx="4"/>
-          </p:nvPr>
-        </p:nvSpPr>
-        <p:spPr/>
-        <p:txBody>
-          <a:bodyPr/>
-          <a:lstStyle/>
-          <a:p>
-            <a:fld id="{DD16D8C6-D3EF-484E-B1EF-645CD91101A6}" type="slidenum">
-              <a:rPr lang="pl-PL" smtClean="0"/>
-              <a:pPr/>
-              <a:t>11</a:t>
             </a:fld>
             <a:endParaRPr lang="pl-PL" dirty="0"/>
           </a:p>
@@ -9714,7 +9552,7 @@
 </p:sld>
 </file>
 
-<file path=ppt/slides/slide12.xml><?xml version="1.0" encoding="utf-8"?>
+<file path=ppt/slides/slide11.xml><?xml version="1.0" encoding="utf-8"?>
 <p:sld xmlns:a="http://schemas.openxmlformats.org/drawingml/2006/main" xmlns:r="http://schemas.openxmlformats.org/officeDocument/2006/relationships" xmlns:p="http://schemas.openxmlformats.org/presentationml/2006/main">
   <p:cSld>
     <p:spTree>
@@ -10439,94 +10277,22 @@
       </p:grpSpPr>
       <p:sp>
         <p:nvSpPr>
-          <p:cNvPr id="2" name="Content Placeholder 1"/>
-          <p:cNvSpPr>
-            <a:spLocks noGrp="1"/>
-          </p:cNvSpPr>
-          <p:nvPr>
-            <p:ph idx="1"/>
-          </p:nvPr>
-        </p:nvSpPr>
-        <p:spPr>
-          <a:xfrm>
-            <a:off x="1509311" y="1854392"/>
-            <a:ext cx="8582140" cy="4039183"/>
-          </a:xfrm>
-        </p:spPr>
+          <p:cNvPr id="3" name="Footer Placeholder 2"/>
+          <p:cNvSpPr>
+            <a:spLocks noGrp="1"/>
+          </p:cNvSpPr>
+          <p:nvPr>
+            <p:ph type="ftr" sz="quarter" idx="3"/>
+          </p:nvPr>
+        </p:nvSpPr>
+        <p:spPr/>
         <p:txBody>
           <a:bodyPr/>
           <a:lstStyle/>
           <a:p>
             <a:r>
-              <a:rPr lang="en-US" dirty="0"/>
-              <a:t>Abstract Base class</a:t>
-            </a:r>
-          </a:p>
-          <a:p>
-            <a:r>
-              <a:rPr lang="en-US" dirty="0"/>
-              <a:t>Base calls Child</a:t>
-            </a:r>
-          </a:p>
-          <a:p>
-            <a:r>
-              <a:rPr lang="en-US" dirty="0"/>
-              <a:t>Hooks</a:t>
-            </a:r>
-          </a:p>
-          <a:p>
-            <a:r>
-              <a:rPr lang="en-US" dirty="0"/>
-              <a:t>Operations</a:t>
-            </a:r>
-          </a:p>
-          <a:p>
-            <a:r>
-              <a:rPr lang="en-US" dirty="0" err="1"/>
-              <a:t>AbstractBase</a:t>
-            </a:r>
-            <a:r>
-              <a:rPr lang="en-US" dirty="0"/>
-              <a:t>, </a:t>
-            </a:r>
-            <a:r>
-              <a:rPr lang="en-US" dirty="0" err="1"/>
-              <a:t>ConcreteClass</a:t>
-            </a:r>
-            <a:endParaRPr lang="en-US" dirty="0"/>
-          </a:p>
-        </p:txBody>
-      </p:sp>
-      <p:sp>
-        <p:nvSpPr>
-          <p:cNvPr id="3" name="Footer Placeholder 2"/>
-          <p:cNvSpPr>
-            <a:spLocks noGrp="1"/>
-          </p:cNvSpPr>
-          <p:nvPr>
-            <p:ph type="ftr" sz="quarter" idx="3"/>
-          </p:nvPr>
-        </p:nvSpPr>
-        <p:spPr/>
-        <p:txBody>
-          <a:bodyPr/>
-          <a:lstStyle/>
-          <a:p>
-            <a:r>
-              <a:rPr lang="en-GB" dirty="0"/>
-              <a:t>Template </a:t>
-            </a:r>
-            <a:r>
-              <a:rPr lang="en-GB" dirty="0" smtClean="0"/>
-              <a:t>method </a:t>
-            </a:r>
-            <a:r>
-              <a:rPr lang="pl-PL" dirty="0" smtClean="0"/>
-              <a:t>– </a:t>
-            </a:r>
-            <a:r>
               <a:rPr lang="pl-PL" dirty="0"/>
-              <a:t>Behavioral Pattern</a:t>
+              <a:t>Command – Behavioral Pattern</a:t>
             </a:r>
           </a:p>
         </p:txBody>
@@ -10572,7 +10338,7 @@
             <a:pPr algn="ctr"/>
             <a:r>
               <a:rPr lang="en-US" dirty="0"/>
-              <a:t>Design</a:t>
+              <a:t>UML</a:t>
             </a:r>
           </a:p>
         </p:txBody>
@@ -10601,10 +10367,66 @@
           </a:p>
         </p:txBody>
       </p:sp>
+      <p:pic>
+        <p:nvPicPr>
+          <p:cNvPr id="2050" name="Picture 2"/>
+          <p:cNvPicPr>
+            <a:picLocks noGrp="1" noChangeAspect="1" noChangeArrowheads="1"/>
+          </p:cNvPicPr>
+          <p:nvPr>
+            <p:ph idx="1"/>
+          </p:nvPr>
+        </p:nvPicPr>
+        <p:blipFill>
+          <a:blip r:embed="rId2">
+            <a:extLst>
+              <a:ext uri="{28A0092B-C50C-407E-A947-70E740481C1C}">
+                <a14:useLocalDpi xmlns:a14="http://schemas.microsoft.com/office/drawing/2010/main" val="0"/>
+              </a:ext>
+            </a:extLst>
+          </a:blip>
+          <a:srcRect/>
+          <a:stretch>
+            <a:fillRect/>
+          </a:stretch>
+        </p:blipFill>
+        <p:spPr bwMode="auto">
+          <a:xfrm>
+            <a:off x="727113" y="1795750"/>
+            <a:ext cx="10939750" cy="3492346"/>
+          </a:xfrm>
+          <a:prstGeom prst="rect">
+            <a:avLst/>
+          </a:prstGeom>
+          <a:noFill/>
+          <a:ln>
+            <a:noFill/>
+          </a:ln>
+          <a:extLst>
+            <a:ext uri="{909E8E84-426E-40DD-AFC4-6F175D3DCCD1}">
+              <a14:hiddenFill xmlns:a14="http://schemas.microsoft.com/office/drawing/2010/main">
+                <a:solidFill>
+                  <a:schemeClr val="accent1"/>
+                </a:solidFill>
+              </a14:hiddenFill>
+            </a:ext>
+            <a:ext uri="{91240B29-F687-4F45-9708-019B960494DF}">
+              <a14:hiddenLine xmlns:a14="http://schemas.microsoft.com/office/drawing/2010/main" w="9525">
+                <a:solidFill>
+                  <a:schemeClr val="tx1"/>
+                </a:solidFill>
+                <a:miter lim="800000"/>
+                <a:headEnd/>
+                <a:tailEnd/>
+              </a14:hiddenLine>
+            </a:ext>
+          </a:extLst>
+        </p:spPr>
+      </p:pic>
     </p:spTree>
     <p:extLst>
       <p:ext uri="{BB962C8B-B14F-4D97-AF65-F5344CB8AC3E}">
-        <p14:creationId xmlns:p14="http://schemas.microsoft.com/office/powerpoint/2010/main" val="445922258"/>
+        <p14:creationId xmlns:p14="http://schemas.microsoft.com/office/powerpoint/2010/main" val="3301674320"/>
       </p:ext>
     </p:extLst>
   </p:cSld>
@@ -10654,8 +10476,20 @@
           <a:lstStyle/>
           <a:p>
             <a:r>
+              <a:rPr lang="en-GB" dirty="0"/>
+              <a:t>Template </a:t>
+            </a:r>
+            <a:r>
+              <a:rPr lang="en-GB" dirty="0" smtClean="0"/>
+              <a:t>method </a:t>
+            </a:r>
+            <a:r>
+              <a:rPr lang="pl-PL" dirty="0" smtClean="0"/>
+              <a:t>– </a:t>
+            </a:r>
+            <a:r>
               <a:rPr lang="pl-PL" dirty="0"/>
-              <a:t>Command – Behavioral Pattern</a:t>
+              <a:t>Behavioral Pattern</a:t>
             </a:r>
           </a:p>
         </p:txBody>
@@ -10680,29 +10514,6 @@
               <a:t>27.02.2017</a:t>
             </a:fld>
             <a:endParaRPr lang="pl-PL" dirty="0"/>
-          </a:p>
-        </p:txBody>
-      </p:sp>
-      <p:sp>
-        <p:nvSpPr>
-          <p:cNvPr id="5" name="Title 4"/>
-          <p:cNvSpPr>
-            <a:spLocks noGrp="1"/>
-          </p:cNvSpPr>
-          <p:nvPr>
-            <p:ph type="title"/>
-          </p:nvPr>
-        </p:nvSpPr>
-        <p:spPr/>
-        <p:txBody>
-          <a:bodyPr/>
-          <a:lstStyle/>
-          <a:p>
-            <a:pPr algn="ctr"/>
-            <a:r>
-              <a:rPr lang="en-US" dirty="0"/>
-              <a:t>UML</a:t>
-            </a:r>
           </a:p>
         </p:txBody>
       </p:sp>
@@ -10730,66 +10541,225 @@
           </a:p>
         </p:txBody>
       </p:sp>
-      <p:pic>
-        <p:nvPicPr>
-          <p:cNvPr id="2050" name="Picture 2"/>
-          <p:cNvPicPr>
-            <a:picLocks noGrp="1" noChangeAspect="1" noChangeArrowheads="1"/>
-          </p:cNvPicPr>
+      <p:sp>
+        <p:nvSpPr>
+          <p:cNvPr id="2" name="Content Placeholder 1"/>
+          <p:cNvSpPr>
+            <a:spLocks noGrp="1"/>
+          </p:cNvSpPr>
           <p:nvPr>
             <p:ph idx="1"/>
           </p:nvPr>
-        </p:nvPicPr>
-        <p:blipFill>
-          <a:blip r:embed="rId2">
-            <a:extLst>
-              <a:ext uri="{28A0092B-C50C-407E-A947-70E740481C1C}">
-                <a14:useLocalDpi xmlns:a14="http://schemas.microsoft.com/office/drawing/2010/main" val="0"/>
-              </a:ext>
-            </a:extLst>
-          </a:blip>
-          <a:srcRect/>
-          <a:stretch>
-            <a:fillRect/>
-          </a:stretch>
-        </p:blipFill>
-        <p:spPr bwMode="auto">
-          <a:xfrm>
-            <a:off x="727113" y="1795750"/>
-            <a:ext cx="10939750" cy="3492346"/>
-          </a:xfrm>
-          <a:prstGeom prst="rect">
-            <a:avLst/>
-          </a:prstGeom>
-          <a:noFill/>
-          <a:ln>
-            <a:noFill/>
-          </a:ln>
-          <a:extLst>
-            <a:ext uri="{909E8E84-426E-40DD-AFC4-6F175D3DCCD1}">
-              <a14:hiddenFill xmlns:a14="http://schemas.microsoft.com/office/drawing/2010/main">
-                <a:solidFill>
-                  <a:schemeClr val="accent1"/>
-                </a:solidFill>
-              </a14:hiddenFill>
-            </a:ext>
-            <a:ext uri="{91240B29-F687-4F45-9708-019B960494DF}">
-              <a14:hiddenLine xmlns:a14="http://schemas.microsoft.com/office/drawing/2010/main" w="9525">
-                <a:solidFill>
-                  <a:schemeClr val="tx1"/>
-                </a:solidFill>
-                <a:miter lim="800000"/>
-                <a:headEnd/>
-                <a:tailEnd/>
-              </a14:hiddenLine>
-            </a:ext>
-          </a:extLst>
-        </p:spPr>
-      </p:pic>
+        </p:nvSpPr>
+        <p:spPr>
+          <a:xfrm>
+            <a:off x="933060" y="451692"/>
+            <a:ext cx="10313999" cy="5463917"/>
+          </a:xfrm>
+        </p:spPr>
+        <p:txBody>
+          <a:bodyPr>
+            <a:normAutofit fontScale="85000" lnSpcReduction="20000"/>
+          </a:bodyPr>
+          <a:lstStyle/>
+          <a:p>
+            <a:r>
+              <a:rPr lang="en-US" dirty="0"/>
+              <a:t>Everyday Example </a:t>
+            </a:r>
+            <a:r>
+              <a:rPr lang="en-US" dirty="0" smtClean="0"/>
+              <a:t>- </a:t>
+            </a:r>
+            <a:r>
+              <a:rPr lang="en-US" dirty="0" err="1" smtClean="0"/>
+              <a:t>Collections.sort</a:t>
+            </a:r>
+            <a:r>
+              <a:rPr lang="en-US" dirty="0" smtClean="0"/>
+              <a:t>(Object o)</a:t>
+            </a:r>
+          </a:p>
+          <a:p>
+            <a:r>
+              <a:rPr lang="en-GB" dirty="0" smtClean="0"/>
+              <a:t>Class Person implement Comparable interface and must </a:t>
+            </a:r>
+            <a:r>
+              <a:rPr lang="en-GB" dirty="0" smtClean="0"/>
+              <a:t>override </a:t>
+            </a:r>
+            <a:r>
+              <a:rPr lang="en-GB" dirty="0" err="1" smtClean="0"/>
+              <a:t>compareTo</a:t>
+            </a:r>
+            <a:r>
+              <a:rPr lang="en-GB" dirty="0" smtClean="0"/>
+              <a:t>() </a:t>
+            </a:r>
+            <a:r>
+              <a:rPr lang="en-GB" dirty="0"/>
+              <a:t>method which </a:t>
+            </a:r>
+            <a:r>
+              <a:rPr lang="en-GB" dirty="0" smtClean="0"/>
+              <a:t>is </a:t>
+            </a:r>
+            <a:r>
+              <a:rPr lang="en-US" dirty="0" smtClean="0"/>
+              <a:t>part </a:t>
+            </a:r>
+            <a:r>
+              <a:rPr lang="en-US" dirty="0"/>
+              <a:t>of the template method pattern of that interface</a:t>
+            </a:r>
+            <a:r>
+              <a:rPr lang="en-GB" dirty="0" smtClean="0"/>
+              <a:t>.</a:t>
+            </a:r>
+            <a:endParaRPr lang="en-US" dirty="0" smtClean="0"/>
+          </a:p>
+          <a:p>
+            <a:r>
+              <a:rPr lang="en-US" dirty="0" smtClean="0"/>
+              <a:t>@</a:t>
+            </a:r>
+            <a:r>
+              <a:rPr lang="en-US" dirty="0"/>
+              <a:t>Override</a:t>
+            </a:r>
+          </a:p>
+          <a:p>
+            <a:r>
+              <a:rPr lang="en-US" dirty="0"/>
+              <a:t>public </a:t>
+            </a:r>
+            <a:r>
+              <a:rPr lang="en-US" dirty="0" err="1"/>
+              <a:t>int</a:t>
+            </a:r>
+            <a:r>
+              <a:rPr lang="en-US" dirty="0"/>
+              <a:t> </a:t>
+            </a:r>
+            <a:r>
+              <a:rPr lang="en-US" dirty="0" err="1"/>
+              <a:t>compareTo</a:t>
+            </a:r>
+            <a:r>
+              <a:rPr lang="en-US" dirty="0"/>
+              <a:t>(final Person o) {</a:t>
+            </a:r>
+          </a:p>
+          <a:p>
+            <a:r>
+              <a:rPr lang="en-US" dirty="0"/>
+              <a:t>	if (</a:t>
+            </a:r>
+            <a:r>
+              <a:rPr lang="en-US" dirty="0" err="1"/>
+              <a:t>this.age</a:t>
+            </a:r>
+            <a:r>
+              <a:rPr lang="en-US" dirty="0"/>
+              <a:t> &gt; </a:t>
+            </a:r>
+            <a:r>
+              <a:rPr lang="en-US" dirty="0" err="1"/>
+              <a:t>o.age</a:t>
+            </a:r>
+            <a:r>
+              <a:rPr lang="en-US" dirty="0"/>
+              <a:t>) {</a:t>
+            </a:r>
+          </a:p>
+          <a:p>
+            <a:r>
+              <a:rPr lang="en-US" dirty="0"/>
+              <a:t>		return 1;</a:t>
+            </a:r>
+          </a:p>
+          <a:p>
+            <a:r>
+              <a:rPr lang="en-US" dirty="0"/>
+              <a:t>	}</a:t>
+            </a:r>
+          </a:p>
+          <a:p>
+            <a:r>
+              <a:rPr lang="en-US" dirty="0"/>
+              <a:t>	if (</a:t>
+            </a:r>
+            <a:r>
+              <a:rPr lang="en-US" dirty="0" err="1"/>
+              <a:t>this.age</a:t>
+            </a:r>
+            <a:r>
+              <a:rPr lang="en-US" dirty="0"/>
+              <a:t> &lt; </a:t>
+            </a:r>
+            <a:r>
+              <a:rPr lang="en-US" dirty="0" err="1"/>
+              <a:t>o.age</a:t>
+            </a:r>
+            <a:r>
+              <a:rPr lang="en-US" dirty="0"/>
+              <a:t>) {</a:t>
+            </a:r>
+          </a:p>
+          <a:p>
+            <a:r>
+              <a:rPr lang="en-US" dirty="0"/>
+              <a:t>		return -1;</a:t>
+            </a:r>
+          </a:p>
+          <a:p>
+            <a:r>
+              <a:rPr lang="en-US" dirty="0"/>
+              <a:t>	}</a:t>
+            </a:r>
+          </a:p>
+          <a:p>
+            <a:r>
+              <a:rPr lang="en-US" dirty="0"/>
+              <a:t>	return 0;</a:t>
+            </a:r>
+          </a:p>
+          <a:p>
+            <a:r>
+              <a:rPr lang="en-US" dirty="0" smtClean="0"/>
+              <a:t>}</a:t>
+            </a:r>
+            <a:r>
+              <a:rPr lang="en-GB" dirty="0" smtClean="0"/>
+              <a:t> </a:t>
+            </a:r>
+          </a:p>
+          <a:p>
+            <a:r>
+              <a:rPr lang="en-US" dirty="0" err="1" smtClean="0"/>
+              <a:t>Collections.</a:t>
+            </a:r>
+            <a:r>
+              <a:rPr lang="en-US" i="1" dirty="0" err="1" smtClean="0"/>
+              <a:t>sort</a:t>
+            </a:r>
+            <a:r>
+              <a:rPr lang="en-US" i="1" dirty="0" smtClean="0"/>
+              <a:t>(people</a:t>
+            </a:r>
+            <a:r>
+              <a:rPr lang="en-US" i="1" dirty="0"/>
+              <a:t>);</a:t>
+            </a:r>
+            <a:endParaRPr lang="en-US" dirty="0"/>
+          </a:p>
+        </p:txBody>
+      </p:sp>
     </p:spTree>
     <p:extLst>
       <p:ext uri="{BB962C8B-B14F-4D97-AF65-F5344CB8AC3E}">
-        <p14:creationId xmlns:p14="http://schemas.microsoft.com/office/powerpoint/2010/main" val="3301674320"/>
+        <p14:creationId xmlns:p14="http://schemas.microsoft.com/office/powerpoint/2010/main" val="4181907147"/>
       </p:ext>
     </p:extLst>
   </p:cSld>
@@ -10825,12 +10795,12 @@
       </p:grpSpPr>
       <p:sp>
         <p:nvSpPr>
-          <p:cNvPr id="3" name="Footer Placeholder 2"/>
-          <p:cNvSpPr>
-            <a:spLocks noGrp="1"/>
-          </p:cNvSpPr>
-          <p:nvPr>
-            <p:ph type="ftr" sz="quarter" idx="3"/>
+          <p:cNvPr id="2" name="Text Placeholder 1"/>
+          <p:cNvSpPr>
+            <a:spLocks noGrp="1"/>
+          </p:cNvSpPr>
+          <p:nvPr>
+            <p:ph type="body" idx="1"/>
           </p:nvPr>
         </p:nvSpPr>
         <p:spPr/>
@@ -10838,33 +10808,23 @@
           <a:bodyPr/>
           <a:lstStyle/>
           <a:p>
-            <a:r>
-              <a:rPr lang="en-GB" dirty="0"/>
-              <a:t>Template </a:t>
-            </a:r>
-            <a:r>
-              <a:rPr lang="en-GB" dirty="0" smtClean="0"/>
-              <a:t>method </a:t>
-            </a:r>
-            <a:r>
-              <a:rPr lang="pl-PL" dirty="0" smtClean="0"/>
-              <a:t>– </a:t>
-            </a:r>
+            <a:pPr algn="ctr"/>
             <a:r>
               <a:rPr lang="pl-PL" dirty="0"/>
-              <a:t>Behavioral Pattern</a:t>
-            </a:r>
-          </a:p>
-        </p:txBody>
-      </p:sp>
-      <p:sp>
-        <p:nvSpPr>
-          <p:cNvPr id="4" name="Date Placeholder 3"/>
-          <p:cNvSpPr>
-            <a:spLocks noGrp="1"/>
-          </p:cNvSpPr>
-          <p:nvPr>
-            <p:ph type="dt" sz="half" idx="2"/>
+              <a:t>+</a:t>
+            </a:r>
+            <a:endParaRPr lang="en-US" dirty="0"/>
+          </a:p>
+        </p:txBody>
+      </p:sp>
+      <p:sp>
+        <p:nvSpPr>
+          <p:cNvPr id="3" name="Content Placeholder 2"/>
+          <p:cNvSpPr>
+            <a:spLocks noGrp="1"/>
+          </p:cNvSpPr>
+          <p:nvPr>
+            <p:ph sz="half" idx="2"/>
           </p:nvPr>
         </p:nvSpPr>
         <p:spPr/>
@@ -10872,7 +10832,174 @@
           <a:bodyPr/>
           <a:lstStyle/>
           <a:p>
-            <a:fld id="{6DF9EE7B-20F7-43C4-8D54-12938773A049}" type="datetime1">
+            <a:pPr marL="342900" indent="-342900">
+              <a:buFont typeface="Arial" panose="020B0604020202020204" pitchFamily="34" charset="0"/>
+              <a:buChar char="•"/>
+            </a:pPr>
+            <a:r>
+              <a:rPr lang="en-GB" dirty="0" smtClean="0"/>
+              <a:t>Code reuse</a:t>
+            </a:r>
+            <a:endParaRPr lang="pl-PL" dirty="0" smtClean="0"/>
+          </a:p>
+          <a:p>
+            <a:pPr marL="342900" indent="-342900">
+              <a:buFont typeface="Arial" panose="020B0604020202020204" pitchFamily="34" charset="0"/>
+              <a:buChar char="•"/>
+            </a:pPr>
+            <a:r>
+              <a:rPr lang="en-US" dirty="0"/>
+              <a:t>Flexibility lets subclasses decide how to implement steps in an </a:t>
+            </a:r>
+            <a:r>
+              <a:rPr lang="en-US" dirty="0" smtClean="0"/>
+              <a:t>algorithm</a:t>
+            </a:r>
+          </a:p>
+          <a:p>
+            <a:pPr marL="342900" indent="-342900">
+              <a:buFont typeface="Arial" panose="020B0604020202020204" pitchFamily="34" charset="0"/>
+              <a:buChar char="•"/>
+            </a:pPr>
+            <a:r>
+              <a:rPr lang="en-US" dirty="0"/>
+              <a:t>Algorithm emphasis</a:t>
+            </a:r>
+          </a:p>
+          <a:p>
+            <a:pPr marL="342900" indent="-342900">
+              <a:buFont typeface="Arial" panose="020B0604020202020204" pitchFamily="34" charset="0"/>
+              <a:buChar char="•"/>
+            </a:pPr>
+            <a:endParaRPr lang="en-US" dirty="0"/>
+          </a:p>
+        </p:txBody>
+      </p:sp>
+      <p:sp>
+        <p:nvSpPr>
+          <p:cNvPr id="4" name="Text Placeholder 3"/>
+          <p:cNvSpPr>
+            <a:spLocks noGrp="1"/>
+          </p:cNvSpPr>
+          <p:nvPr>
+            <p:ph type="body" sz="quarter" idx="3"/>
+          </p:nvPr>
+        </p:nvSpPr>
+        <p:spPr/>
+        <p:txBody>
+          <a:bodyPr/>
+          <a:lstStyle/>
+          <a:p>
+            <a:pPr algn="ctr"/>
+            <a:r>
+              <a:rPr lang="pl-PL" dirty="0" smtClean="0"/>
+              <a:t>-</a:t>
+            </a:r>
+            <a:endParaRPr lang="en-US" dirty="0"/>
+          </a:p>
+        </p:txBody>
+      </p:sp>
+      <p:sp>
+        <p:nvSpPr>
+          <p:cNvPr id="5" name="Content Placeholder 4"/>
+          <p:cNvSpPr>
+            <a:spLocks noGrp="1"/>
+          </p:cNvSpPr>
+          <p:nvPr>
+            <p:ph sz="quarter" idx="4"/>
+          </p:nvPr>
+        </p:nvSpPr>
+        <p:spPr/>
+        <p:txBody>
+          <a:bodyPr/>
+          <a:lstStyle/>
+          <a:p>
+            <a:pPr marL="342900" indent="-342900">
+              <a:buFont typeface="Arial" panose="020B0604020202020204" pitchFamily="34" charset="0"/>
+              <a:buChar char="•"/>
+            </a:pPr>
+            <a:r>
+              <a:rPr lang="en-US" dirty="0"/>
+              <a:t>Restrict access</a:t>
+            </a:r>
+          </a:p>
+          <a:p>
+            <a:pPr marL="342900" indent="-342900">
+              <a:buFont typeface="Arial" panose="020B0604020202020204" pitchFamily="34" charset="0"/>
+              <a:buChar char="•"/>
+            </a:pPr>
+            <a:r>
+              <a:rPr lang="en-US" dirty="0" smtClean="0"/>
+              <a:t>Confusing </a:t>
+            </a:r>
+            <a:r>
+              <a:rPr lang="en-US" dirty="0"/>
+              <a:t>hierarchy</a:t>
+            </a:r>
+          </a:p>
+          <a:p>
+            <a:pPr marL="342900" indent="-342900">
+              <a:buFont typeface="Arial" panose="020B0604020202020204" pitchFamily="34" charset="0"/>
+              <a:buChar char="•"/>
+            </a:pPr>
+            <a:r>
+              <a:rPr lang="en-US" dirty="0" smtClean="0"/>
+              <a:t>Difficult </a:t>
+            </a:r>
+            <a:r>
+              <a:rPr lang="en-US" dirty="0"/>
+              <a:t>Program flow</a:t>
+            </a:r>
+            <a:endParaRPr lang="pl-PL" dirty="0" smtClean="0"/>
+          </a:p>
+        </p:txBody>
+      </p:sp>
+      <p:sp>
+        <p:nvSpPr>
+          <p:cNvPr id="6" name="Footer Placeholder 5"/>
+          <p:cNvSpPr>
+            <a:spLocks noGrp="1"/>
+          </p:cNvSpPr>
+          <p:nvPr>
+            <p:ph type="ftr" sz="quarter" idx="10"/>
+          </p:nvPr>
+        </p:nvSpPr>
+        <p:spPr/>
+        <p:txBody>
+          <a:bodyPr/>
+          <a:lstStyle/>
+          <a:p>
+            <a:r>
+              <a:rPr lang="en-GB" dirty="0"/>
+              <a:t>Template method</a:t>
+            </a:r>
+            <a:r>
+              <a:rPr lang="pl-PL" dirty="0" smtClean="0"/>
+              <a:t> </a:t>
+            </a:r>
+            <a:r>
+              <a:rPr lang="pl-PL" dirty="0"/>
+              <a:t>– Behavioral Pattern</a:t>
+            </a:r>
+          </a:p>
+        </p:txBody>
+      </p:sp>
+      <p:sp>
+        <p:nvSpPr>
+          <p:cNvPr id="7" name="Date Placeholder 6"/>
+          <p:cNvSpPr>
+            <a:spLocks noGrp="1"/>
+          </p:cNvSpPr>
+          <p:nvPr>
+            <p:ph type="dt" sz="half" idx="11"/>
+          </p:nvPr>
+        </p:nvSpPr>
+        <p:spPr/>
+        <p:txBody>
+          <a:bodyPr/>
+          <a:lstStyle/>
+          <a:p>
+            <a:fld id="{BEA27C96-E20C-4197-AE88-E247802FCFA1}" type="datetime1">
               <a:rPr lang="pl-PL" smtClean="0"/>
               <a:t>27.02.2017</a:t>
             </a:fld>
@@ -10882,12 +11009,35 @@
       </p:sp>
       <p:sp>
         <p:nvSpPr>
-          <p:cNvPr id="6" name="Slide Number Placeholder 5"/>
-          <p:cNvSpPr>
-            <a:spLocks noGrp="1"/>
-          </p:cNvSpPr>
-          <p:nvPr>
-            <p:ph type="sldNum" sz="quarter" idx="4"/>
+          <p:cNvPr id="8" name="Title 7"/>
+          <p:cNvSpPr>
+            <a:spLocks noGrp="1"/>
+          </p:cNvSpPr>
+          <p:nvPr>
+            <p:ph type="title"/>
+          </p:nvPr>
+        </p:nvSpPr>
+        <p:spPr/>
+        <p:txBody>
+          <a:bodyPr/>
+          <a:lstStyle/>
+          <a:p>
+            <a:r>
+              <a:rPr lang="pl-PL" dirty="0" smtClean="0"/>
+              <a:t>Pros and Cons</a:t>
+            </a:r>
+            <a:endParaRPr lang="en-US" dirty="0"/>
+          </a:p>
+        </p:txBody>
+      </p:sp>
+      <p:sp>
+        <p:nvSpPr>
+          <p:cNvPr id="9" name="Slide Number Placeholder 8"/>
+          <p:cNvSpPr>
+            <a:spLocks noGrp="1"/>
+          </p:cNvSpPr>
+          <p:nvPr>
+            <p:ph type="sldNum" sz="quarter" idx="12"/>
           </p:nvPr>
         </p:nvSpPr>
         <p:spPr/>
@@ -10904,225 +11054,10 @@
           </a:p>
         </p:txBody>
       </p:sp>
-      <p:sp>
-        <p:nvSpPr>
-          <p:cNvPr id="2" name="Content Placeholder 1"/>
-          <p:cNvSpPr>
-            <a:spLocks noGrp="1"/>
-          </p:cNvSpPr>
-          <p:nvPr>
-            <p:ph idx="1"/>
-          </p:nvPr>
-        </p:nvSpPr>
-        <p:spPr>
-          <a:xfrm>
-            <a:off x="933060" y="451692"/>
-            <a:ext cx="10313999" cy="5463917"/>
-          </a:xfrm>
-        </p:spPr>
-        <p:txBody>
-          <a:bodyPr>
-            <a:normAutofit fontScale="85000" lnSpcReduction="20000"/>
-          </a:bodyPr>
-          <a:lstStyle/>
-          <a:p>
-            <a:r>
-              <a:rPr lang="en-US" dirty="0"/>
-              <a:t>Everyday Example </a:t>
-            </a:r>
-            <a:r>
-              <a:rPr lang="en-US" dirty="0" smtClean="0"/>
-              <a:t>- </a:t>
-            </a:r>
-            <a:r>
-              <a:rPr lang="en-US" dirty="0" err="1" smtClean="0"/>
-              <a:t>Collections.sort</a:t>
-            </a:r>
-            <a:r>
-              <a:rPr lang="en-US" dirty="0" smtClean="0"/>
-              <a:t>(Object o)</a:t>
-            </a:r>
-          </a:p>
-          <a:p>
-            <a:r>
-              <a:rPr lang="en-GB" dirty="0" smtClean="0"/>
-              <a:t>Class Person implement Comparable interface and must </a:t>
-            </a:r>
-            <a:r>
-              <a:rPr lang="en-GB" dirty="0" smtClean="0"/>
-              <a:t>override </a:t>
-            </a:r>
-            <a:r>
-              <a:rPr lang="en-GB" dirty="0" err="1" smtClean="0"/>
-              <a:t>compareTo</a:t>
-            </a:r>
-            <a:r>
-              <a:rPr lang="en-GB" dirty="0" smtClean="0"/>
-              <a:t>() </a:t>
-            </a:r>
-            <a:r>
-              <a:rPr lang="en-GB" dirty="0"/>
-              <a:t>method which </a:t>
-            </a:r>
-            <a:r>
-              <a:rPr lang="en-GB" dirty="0" smtClean="0"/>
-              <a:t>is </a:t>
-            </a:r>
-            <a:r>
-              <a:rPr lang="en-US" dirty="0" smtClean="0"/>
-              <a:t>part </a:t>
-            </a:r>
-            <a:r>
-              <a:rPr lang="en-US" dirty="0"/>
-              <a:t>of the template method pattern of that interface</a:t>
-            </a:r>
-            <a:r>
-              <a:rPr lang="en-GB" dirty="0" smtClean="0"/>
-              <a:t>.</a:t>
-            </a:r>
-            <a:endParaRPr lang="en-US" dirty="0" smtClean="0"/>
-          </a:p>
-          <a:p>
-            <a:r>
-              <a:rPr lang="en-US" dirty="0" smtClean="0"/>
-              <a:t>@</a:t>
-            </a:r>
-            <a:r>
-              <a:rPr lang="en-US" dirty="0"/>
-              <a:t>Override</a:t>
-            </a:r>
-          </a:p>
-          <a:p>
-            <a:r>
-              <a:rPr lang="en-US" dirty="0"/>
-              <a:t>public </a:t>
-            </a:r>
-            <a:r>
-              <a:rPr lang="en-US" dirty="0" err="1"/>
-              <a:t>int</a:t>
-            </a:r>
-            <a:r>
-              <a:rPr lang="en-US" dirty="0"/>
-              <a:t> </a:t>
-            </a:r>
-            <a:r>
-              <a:rPr lang="en-US" dirty="0" err="1"/>
-              <a:t>compareTo</a:t>
-            </a:r>
-            <a:r>
-              <a:rPr lang="en-US" dirty="0"/>
-              <a:t>(final Person o) {</a:t>
-            </a:r>
-          </a:p>
-          <a:p>
-            <a:r>
-              <a:rPr lang="en-US" dirty="0"/>
-              <a:t>	if (</a:t>
-            </a:r>
-            <a:r>
-              <a:rPr lang="en-US" dirty="0" err="1"/>
-              <a:t>this.age</a:t>
-            </a:r>
-            <a:r>
-              <a:rPr lang="en-US" dirty="0"/>
-              <a:t> &gt; </a:t>
-            </a:r>
-            <a:r>
-              <a:rPr lang="en-US" dirty="0" err="1"/>
-              <a:t>o.age</a:t>
-            </a:r>
-            <a:r>
-              <a:rPr lang="en-US" dirty="0"/>
-              <a:t>) {</a:t>
-            </a:r>
-          </a:p>
-          <a:p>
-            <a:r>
-              <a:rPr lang="en-US" dirty="0"/>
-              <a:t>		return 1;</a:t>
-            </a:r>
-          </a:p>
-          <a:p>
-            <a:r>
-              <a:rPr lang="en-US" dirty="0"/>
-              <a:t>	}</a:t>
-            </a:r>
-          </a:p>
-          <a:p>
-            <a:r>
-              <a:rPr lang="en-US" dirty="0"/>
-              <a:t>	if (</a:t>
-            </a:r>
-            <a:r>
-              <a:rPr lang="en-US" dirty="0" err="1"/>
-              <a:t>this.age</a:t>
-            </a:r>
-            <a:r>
-              <a:rPr lang="en-US" dirty="0"/>
-              <a:t> &lt; </a:t>
-            </a:r>
-            <a:r>
-              <a:rPr lang="en-US" dirty="0" err="1"/>
-              <a:t>o.age</a:t>
-            </a:r>
-            <a:r>
-              <a:rPr lang="en-US" dirty="0"/>
-              <a:t>) {</a:t>
-            </a:r>
-          </a:p>
-          <a:p>
-            <a:r>
-              <a:rPr lang="en-US" dirty="0"/>
-              <a:t>		return -1;</a:t>
-            </a:r>
-          </a:p>
-          <a:p>
-            <a:r>
-              <a:rPr lang="en-US" dirty="0"/>
-              <a:t>	}</a:t>
-            </a:r>
-          </a:p>
-          <a:p>
-            <a:r>
-              <a:rPr lang="en-US" dirty="0"/>
-              <a:t>	return 0;</a:t>
-            </a:r>
-          </a:p>
-          <a:p>
-            <a:r>
-              <a:rPr lang="en-US" dirty="0" smtClean="0"/>
-              <a:t>}</a:t>
-            </a:r>
-            <a:r>
-              <a:rPr lang="en-GB" dirty="0" smtClean="0"/>
-              <a:t> </a:t>
-            </a:r>
-          </a:p>
-          <a:p>
-            <a:r>
-              <a:rPr lang="en-US" dirty="0" err="1" smtClean="0"/>
-              <a:t>Collections.</a:t>
-            </a:r>
-            <a:r>
-              <a:rPr lang="en-US" i="1" dirty="0" err="1" smtClean="0"/>
-              <a:t>sort</a:t>
-            </a:r>
-            <a:r>
-              <a:rPr lang="en-US" i="1" dirty="0" smtClean="0"/>
-              <a:t>(people</a:t>
-            </a:r>
-            <a:r>
-              <a:rPr lang="en-US" i="1" dirty="0"/>
-              <a:t>);</a:t>
-            </a:r>
-            <a:endParaRPr lang="en-US" dirty="0"/>
-          </a:p>
-        </p:txBody>
-      </p:sp>
     </p:spTree>
     <p:extLst>
       <p:ext uri="{BB962C8B-B14F-4D97-AF65-F5344CB8AC3E}">
-        <p14:creationId xmlns:p14="http://schemas.microsoft.com/office/powerpoint/2010/main" val="4181907147"/>
+        <p14:creationId xmlns:p14="http://schemas.microsoft.com/office/powerpoint/2010/main" val="2891905908"/>
       </p:ext>
     </p:extLst>
   </p:cSld>
@@ -11158,12 +11093,68 @@
       </p:grpSpPr>
       <p:sp>
         <p:nvSpPr>
-          <p:cNvPr id="2" name="Text Placeholder 1"/>
-          <p:cNvSpPr>
-            <a:spLocks noGrp="1"/>
-          </p:cNvSpPr>
-          <p:nvPr>
-            <p:ph type="body" idx="1"/>
+          <p:cNvPr id="2" name="Content Placeholder 1"/>
+          <p:cNvSpPr>
+            <a:spLocks noGrp="1"/>
+          </p:cNvSpPr>
+          <p:nvPr>
+            <p:ph idx="1"/>
+          </p:nvPr>
+        </p:nvSpPr>
+        <p:spPr/>
+        <p:txBody>
+          <a:bodyPr>
+            <a:normAutofit/>
+          </a:bodyPr>
+          <a:lstStyle/>
+          <a:p>
+            <a:r>
+              <a:rPr lang="en-US" dirty="0"/>
+              <a:t>Template Method   			    Strategy</a:t>
+            </a:r>
+          </a:p>
+          <a:p>
+            <a:r>
+              <a:rPr lang="en-US" dirty="0"/>
+              <a:t>    Same algorithm                                           </a:t>
+            </a:r>
+            <a:r>
+              <a:rPr lang="en-US" dirty="0" err="1"/>
+              <a:t>Algorithm</a:t>
+            </a:r>
+            <a:r>
+              <a:rPr lang="en-US" dirty="0"/>
+              <a:t> per Strategy    </a:t>
+            </a:r>
+          </a:p>
+          <a:p>
+            <a:r>
+              <a:rPr lang="en-US" dirty="0"/>
+              <a:t>    Class based                                                  Interface based</a:t>
+            </a:r>
+          </a:p>
+          <a:p>
+            <a:r>
+              <a:rPr lang="en-US" dirty="0"/>
+              <a:t>    Compile time				       Run time</a:t>
+            </a:r>
+          </a:p>
+          <a:p>
+            <a:r>
+              <a:rPr lang="en-US" dirty="0"/>
+              <a:t>                    					</a:t>
+            </a:r>
+          </a:p>
+        </p:txBody>
+      </p:sp>
+      <p:sp>
+        <p:nvSpPr>
+          <p:cNvPr id="3" name="Footer Placeholder 2"/>
+          <p:cNvSpPr>
+            <a:spLocks noGrp="1"/>
+          </p:cNvSpPr>
+          <p:nvPr>
+            <p:ph type="ftr" sz="quarter" idx="3"/>
           </p:nvPr>
         </p:nvSpPr>
         <p:spPr/>
@@ -11171,23 +11162,29 @@
           <a:bodyPr/>
           <a:lstStyle/>
           <a:p>
-            <a:pPr algn="ctr"/>
+            <a:r>
+              <a:rPr lang="en-GB" dirty="0"/>
+              <a:t>Template method</a:t>
+            </a:r>
+            <a:r>
+              <a:rPr lang="pl-PL" dirty="0" smtClean="0"/>
+              <a:t> </a:t>
+            </a:r>
             <a:r>
               <a:rPr lang="pl-PL" dirty="0"/>
-              <a:t>+</a:t>
-            </a:r>
-            <a:endParaRPr lang="en-US" dirty="0"/>
-          </a:p>
-        </p:txBody>
-      </p:sp>
-      <p:sp>
-        <p:nvSpPr>
-          <p:cNvPr id="3" name="Content Placeholder 2"/>
-          <p:cNvSpPr>
-            <a:spLocks noGrp="1"/>
-          </p:cNvSpPr>
-          <p:nvPr>
-            <p:ph sz="half" idx="2"/>
+              <a:t>– Behavioral Pattern</a:t>
+            </a:r>
+          </a:p>
+        </p:txBody>
+      </p:sp>
+      <p:sp>
+        <p:nvSpPr>
+          <p:cNvPr id="4" name="Date Placeholder 3"/>
+          <p:cNvSpPr>
+            <a:spLocks noGrp="1"/>
+          </p:cNvSpPr>
+          <p:nvPr>
+            <p:ph type="dt" sz="half" idx="2"/>
           </p:nvPr>
         </p:nvSpPr>
         <p:spPr/>
@@ -11195,174 +11192,7 @@
           <a:bodyPr/>
           <a:lstStyle/>
           <a:p>
-            <a:pPr marL="342900" indent="-342900">
-              <a:buFont typeface="Arial" panose="020B0604020202020204" pitchFamily="34" charset="0"/>
-              <a:buChar char="•"/>
-            </a:pPr>
-            <a:r>
-              <a:rPr lang="en-GB" dirty="0" smtClean="0"/>
-              <a:t>Code reuse</a:t>
-            </a:r>
-            <a:endParaRPr lang="pl-PL" dirty="0" smtClean="0"/>
-          </a:p>
-          <a:p>
-            <a:pPr marL="342900" indent="-342900">
-              <a:buFont typeface="Arial" panose="020B0604020202020204" pitchFamily="34" charset="0"/>
-              <a:buChar char="•"/>
-            </a:pPr>
-            <a:r>
-              <a:rPr lang="en-US" dirty="0"/>
-              <a:t>Flexibility lets subclasses decide how to implement steps in an </a:t>
-            </a:r>
-            <a:r>
-              <a:rPr lang="en-US" dirty="0" smtClean="0"/>
-              <a:t>algorithm</a:t>
-            </a:r>
-          </a:p>
-          <a:p>
-            <a:pPr marL="342900" indent="-342900">
-              <a:buFont typeface="Arial" panose="020B0604020202020204" pitchFamily="34" charset="0"/>
-              <a:buChar char="•"/>
-            </a:pPr>
-            <a:r>
-              <a:rPr lang="en-US" dirty="0"/>
-              <a:t>Algorithm emphasis</a:t>
-            </a:r>
-          </a:p>
-          <a:p>
-            <a:pPr marL="342900" indent="-342900">
-              <a:buFont typeface="Arial" panose="020B0604020202020204" pitchFamily="34" charset="0"/>
-              <a:buChar char="•"/>
-            </a:pPr>
-            <a:endParaRPr lang="en-US" dirty="0"/>
-          </a:p>
-        </p:txBody>
-      </p:sp>
-      <p:sp>
-        <p:nvSpPr>
-          <p:cNvPr id="4" name="Text Placeholder 3"/>
-          <p:cNvSpPr>
-            <a:spLocks noGrp="1"/>
-          </p:cNvSpPr>
-          <p:nvPr>
-            <p:ph type="body" sz="quarter" idx="3"/>
-          </p:nvPr>
-        </p:nvSpPr>
-        <p:spPr/>
-        <p:txBody>
-          <a:bodyPr/>
-          <a:lstStyle/>
-          <a:p>
-            <a:pPr algn="ctr"/>
-            <a:r>
-              <a:rPr lang="pl-PL" dirty="0" smtClean="0"/>
-              <a:t>-</a:t>
-            </a:r>
-            <a:endParaRPr lang="en-US" dirty="0"/>
-          </a:p>
-        </p:txBody>
-      </p:sp>
-      <p:sp>
-        <p:nvSpPr>
-          <p:cNvPr id="5" name="Content Placeholder 4"/>
-          <p:cNvSpPr>
-            <a:spLocks noGrp="1"/>
-          </p:cNvSpPr>
-          <p:nvPr>
-            <p:ph sz="quarter" idx="4"/>
-          </p:nvPr>
-        </p:nvSpPr>
-        <p:spPr/>
-        <p:txBody>
-          <a:bodyPr/>
-          <a:lstStyle/>
-          <a:p>
-            <a:pPr marL="342900" indent="-342900">
-              <a:buFont typeface="Arial" panose="020B0604020202020204" pitchFamily="34" charset="0"/>
-              <a:buChar char="•"/>
-            </a:pPr>
-            <a:r>
-              <a:rPr lang="en-US" dirty="0"/>
-              <a:t>Restrict access</a:t>
-            </a:r>
-          </a:p>
-          <a:p>
-            <a:pPr marL="342900" indent="-342900">
-              <a:buFont typeface="Arial" panose="020B0604020202020204" pitchFamily="34" charset="0"/>
-              <a:buChar char="•"/>
-            </a:pPr>
-            <a:r>
-              <a:rPr lang="en-US" dirty="0" smtClean="0"/>
-              <a:t>Confusing </a:t>
-            </a:r>
-            <a:r>
-              <a:rPr lang="en-US" dirty="0"/>
-              <a:t>hierarchy</a:t>
-            </a:r>
-          </a:p>
-          <a:p>
-            <a:pPr marL="342900" indent="-342900">
-              <a:buFont typeface="Arial" panose="020B0604020202020204" pitchFamily="34" charset="0"/>
-              <a:buChar char="•"/>
-            </a:pPr>
-            <a:r>
-              <a:rPr lang="en-US" dirty="0" smtClean="0"/>
-              <a:t>Difficult </a:t>
-            </a:r>
-            <a:r>
-              <a:rPr lang="en-US" dirty="0"/>
-              <a:t>Program flow</a:t>
-            </a:r>
-            <a:endParaRPr lang="pl-PL" dirty="0" smtClean="0"/>
-          </a:p>
-        </p:txBody>
-      </p:sp>
-      <p:sp>
-        <p:nvSpPr>
-          <p:cNvPr id="6" name="Footer Placeholder 5"/>
-          <p:cNvSpPr>
-            <a:spLocks noGrp="1"/>
-          </p:cNvSpPr>
-          <p:nvPr>
-            <p:ph type="ftr" sz="quarter" idx="10"/>
-          </p:nvPr>
-        </p:nvSpPr>
-        <p:spPr/>
-        <p:txBody>
-          <a:bodyPr/>
-          <a:lstStyle/>
-          <a:p>
-            <a:r>
-              <a:rPr lang="en-GB" dirty="0"/>
-              <a:t>Template method</a:t>
-            </a:r>
-            <a:r>
-              <a:rPr lang="pl-PL" dirty="0" smtClean="0"/>
-              <a:t> </a:t>
-            </a:r>
-            <a:r>
-              <a:rPr lang="pl-PL" dirty="0"/>
-              <a:t>– Behavioral Pattern</a:t>
-            </a:r>
-          </a:p>
-        </p:txBody>
-      </p:sp>
-      <p:sp>
-        <p:nvSpPr>
-          <p:cNvPr id="7" name="Date Placeholder 6"/>
-          <p:cNvSpPr>
-            <a:spLocks noGrp="1"/>
-          </p:cNvSpPr>
-          <p:nvPr>
-            <p:ph type="dt" sz="half" idx="11"/>
-          </p:nvPr>
-        </p:nvSpPr>
-        <p:spPr/>
-        <p:txBody>
-          <a:bodyPr/>
-          <a:lstStyle/>
-          <a:p>
-            <a:fld id="{BEA27C96-E20C-4197-AE88-E247802FCFA1}" type="datetime1">
+            <a:fld id="{6DF9EE7B-20F7-43C4-8D54-12938773A049}" type="datetime1">
               <a:rPr lang="pl-PL" smtClean="0"/>
               <a:t>27.02.2017</a:t>
             </a:fld>
@@ -11372,7 +11202,7 @@
       </p:sp>
       <p:sp>
         <p:nvSpPr>
-          <p:cNvPr id="8" name="Title 7"/>
+          <p:cNvPr id="5" name="Title 4"/>
           <p:cNvSpPr>
             <a:spLocks noGrp="1"/>
           </p:cNvSpPr>
@@ -11382,25 +11212,34 @@
         </p:nvSpPr>
         <p:spPr/>
         <p:txBody>
-          <a:bodyPr/>
+          <a:bodyPr>
+            <a:normAutofit fontScale="90000"/>
+          </a:bodyPr>
           <a:lstStyle/>
           <a:p>
+            <a:pPr algn="ctr"/>
             <a:r>
               <a:rPr lang="pl-PL" dirty="0" smtClean="0"/>
-              <a:t>Pros and Cons</a:t>
-            </a:r>
-            <a:endParaRPr lang="en-US" dirty="0"/>
-          </a:p>
-        </p:txBody>
-      </p:sp>
-      <p:sp>
-        <p:nvSpPr>
-          <p:cNvPr id="9" name="Slide Number Placeholder 8"/>
-          <p:cNvSpPr>
-            <a:spLocks noGrp="1"/>
-          </p:cNvSpPr>
-          <p:nvPr>
-            <p:ph type="sldNum" sz="quarter" idx="12"/>
+              <a:t/>
+            </a:r>
+            <a:br>
+              <a:rPr lang="pl-PL" dirty="0" smtClean="0"/>
+            </a:br>
+            <a:r>
+              <a:rPr lang="en-US" dirty="0"/>
+              <a:t>Contrast</a:t>
+            </a:r>
+          </a:p>
+        </p:txBody>
+      </p:sp>
+      <p:sp>
+        <p:nvSpPr>
+          <p:cNvPr id="6" name="Slide Number Placeholder 5"/>
+          <p:cNvSpPr>
+            <a:spLocks noGrp="1"/>
+          </p:cNvSpPr>
+          <p:nvPr>
+            <p:ph type="sldNum" sz="quarter" idx="4"/>
           </p:nvPr>
         </p:nvSpPr>
         <p:spPr/>
@@ -11420,7 +11259,7 @@
     </p:spTree>
     <p:extLst>
       <p:ext uri="{BB962C8B-B14F-4D97-AF65-F5344CB8AC3E}">
-        <p14:creationId xmlns:p14="http://schemas.microsoft.com/office/powerpoint/2010/main" val="2891905908"/>
+        <p14:creationId xmlns:p14="http://schemas.microsoft.com/office/powerpoint/2010/main" val="4229084703"/>
       </p:ext>
     </p:extLst>
   </p:cSld>
@@ -11456,62 +11295,6 @@
       </p:grpSpPr>
       <p:sp>
         <p:nvSpPr>
-          <p:cNvPr id="2" name="Content Placeholder 1"/>
-          <p:cNvSpPr>
-            <a:spLocks noGrp="1"/>
-          </p:cNvSpPr>
-          <p:nvPr>
-            <p:ph idx="1"/>
-          </p:nvPr>
-        </p:nvSpPr>
-        <p:spPr/>
-        <p:txBody>
-          <a:bodyPr>
-            <a:normAutofit/>
-          </a:bodyPr>
-          <a:lstStyle/>
-          <a:p>
-            <a:r>
-              <a:rPr lang="en-US" dirty="0"/>
-              <a:t>Template Method   			    Strategy</a:t>
-            </a:r>
-          </a:p>
-          <a:p>
-            <a:r>
-              <a:rPr lang="en-US" dirty="0"/>
-              <a:t>    Same algorithm                                           </a:t>
-            </a:r>
-            <a:r>
-              <a:rPr lang="en-US" dirty="0" err="1"/>
-              <a:t>Algorithm</a:t>
-            </a:r>
-            <a:r>
-              <a:rPr lang="en-US" dirty="0"/>
-              <a:t> per Strategy    </a:t>
-            </a:r>
-          </a:p>
-          <a:p>
-            <a:r>
-              <a:rPr lang="en-US" dirty="0"/>
-              <a:t>    Class based                                                  Interface based</a:t>
-            </a:r>
-          </a:p>
-          <a:p>
-            <a:r>
-              <a:rPr lang="en-US" dirty="0"/>
-              <a:t>    Compile time				       Run time</a:t>
-            </a:r>
-          </a:p>
-          <a:p>
-            <a:r>
-              <a:rPr lang="en-US" dirty="0"/>
-              <a:t>                    					</a:t>
-            </a:r>
-          </a:p>
-        </p:txBody>
-      </p:sp>
-      <p:sp>
-        <p:nvSpPr>
           <p:cNvPr id="3" name="Footer Placeholder 2"/>
           <p:cNvSpPr>
             <a:spLocks noGrp="1"/>
@@ -11573,7 +11356,12 @@
             <p:ph type="title"/>
           </p:nvPr>
         </p:nvSpPr>
-        <p:spPr/>
+        <p:spPr>
+          <a:xfrm>
+            <a:off x="1404243" y="3010972"/>
+            <a:ext cx="8759799" cy="2047060"/>
+          </a:xfrm>
+        </p:spPr>
         <p:txBody>
           <a:bodyPr>
             <a:normAutofit fontScale="90000"/>
@@ -11583,15 +11371,25 @@
             <a:pPr algn="ctr"/>
             <a:r>
               <a:rPr lang="pl-PL" dirty="0" smtClean="0"/>
-              <a:t/>
+              <a:t>Java Code Example</a:t>
             </a:r>
             <a:br>
               <a:rPr lang="pl-PL" dirty="0" smtClean="0"/>
             </a:br>
             <a:r>
-              <a:rPr lang="en-US" dirty="0"/>
-              <a:t>Contrast</a:t>
-            </a:r>
+              <a:rPr lang="pl-PL" dirty="0" smtClean="0"/>
+              <a:t/>
+            </a:r>
+            <a:br>
+              <a:rPr lang="pl-PL" dirty="0" smtClean="0"/>
+            </a:br>
+            <a:r>
+              <a:rPr lang="pl-PL" dirty="0" smtClean="0">
+                <a:hlinkClick r:id="rId2"/>
+              </a:rPr>
+              <a:t>github.com</a:t>
+            </a:r>
+            <a:endParaRPr lang="en-US" dirty="0"/>
           </a:p>
         </p:txBody>
       </p:sp>
@@ -11622,7 +11420,7 @@
     </p:spTree>
     <p:extLst>
       <p:ext uri="{BB962C8B-B14F-4D97-AF65-F5344CB8AC3E}">
-        <p14:creationId xmlns:p14="http://schemas.microsoft.com/office/powerpoint/2010/main" val="4229084703"/>
+        <p14:creationId xmlns:p14="http://schemas.microsoft.com/office/powerpoint/2010/main" val="3451553606"/>
       </p:ext>
     </p:extLst>
   </p:cSld>
